--- a/docs/diagrams/StorageComponentClassDiagram.pptx
+++ b/docs/diagrams/StorageComponentClassDiagram.pptx
@@ -3473,7 +3473,7 @@
         <p:spPr>
           <a:xfrm>
             <a:off x="1119865" y="2086382"/>
-            <a:ext cx="7871735" cy="1723618"/>
+            <a:ext cx="7871735" cy="2180818"/>
           </a:xfrm>
           <a:prstGeom prst="roundRect">
             <a:avLst>
@@ -3615,8 +3615,8 @@
         </p:nvSpPr>
         <p:spPr>
           <a:xfrm rot="16200000">
-            <a:off x="1683963" y="2868687"/>
-            <a:ext cx="1093635" cy="346760"/>
+            <a:off x="1455363" y="3097287"/>
+            <a:ext cx="1550836" cy="346760"/>
           </a:xfrm>
           <a:prstGeom prst="rect">
             <a:avLst/>
@@ -3678,8 +3678,8 @@
         </p:nvSpPr>
         <p:spPr>
           <a:xfrm rot="16200000">
-            <a:off x="956202" y="2861202"/>
-            <a:ext cx="1093635" cy="346760"/>
+            <a:off x="727602" y="3089802"/>
+            <a:ext cx="1550836" cy="346760"/>
           </a:xfrm>
           <a:prstGeom prst="rect">
             <a:avLst/>
@@ -3752,8 +3752,8 @@
         </p:nvSpPr>
         <p:spPr>
           <a:xfrm rot="16200000">
-            <a:off x="1626910" y="2952291"/>
-            <a:ext cx="270504" cy="175523"/>
+            <a:off x="1592809" y="3053393"/>
+            <a:ext cx="338708" cy="175523"/>
           </a:xfrm>
           <a:prstGeom prst="triangle">
             <a:avLst/>
@@ -3850,8 +3850,8 @@
         </p:nvCxnSpPr>
         <p:spPr>
           <a:xfrm>
-            <a:off x="910091" y="3040053"/>
-            <a:ext cx="419548" cy="2860"/>
+            <a:off x="999400" y="3263182"/>
+            <a:ext cx="307952" cy="12700"/>
           </a:xfrm>
           <a:prstGeom prst="bentConnector3">
             <a:avLst>
@@ -3888,15 +3888,13 @@
       <p:cxnSp>
         <p:nvCxnSpPr>
           <p:cNvPr id="21" name="Straight Connector 20"/>
-          <p:cNvCxnSpPr>
-            <a:stCxn id="120" idx="3"/>
-          </p:cNvCxnSpPr>
+          <p:cNvCxnSpPr/>
           <p:nvPr/>
         </p:nvCxnSpPr>
         <p:spPr>
-          <a:xfrm flipV="1">
-            <a:off x="1849924" y="3040052"/>
-            <a:ext cx="216105" cy="1"/>
+          <a:xfrm flipH="1">
+            <a:off x="2066029" y="3115000"/>
+            <a:ext cx="110624" cy="0"/>
           </a:xfrm>
           <a:prstGeom prst="line">
             <a:avLst/>
@@ -4940,6 +4938,407 @@
           </a:fillRef>
           <a:effectRef idx="1">
             <a:schemeClr val="accent6"/>
+          </a:effectRef>
+          <a:fontRef idx="minor">
+            <a:schemeClr val="dk1"/>
+          </a:fontRef>
+        </p:style>
+      </p:cxnSp>
+      <p:sp>
+        <p:nvSpPr>
+          <p:cNvPr id="29" name="Rectangle 8"/>
+          <p:cNvSpPr/>
+          <p:nvPr/>
+        </p:nvSpPr>
+        <p:spPr>
+          <a:xfrm>
+            <a:off x="2877180" y="3691840"/>
+            <a:ext cx="1323049" cy="346760"/>
+          </a:xfrm>
+          <a:prstGeom prst="rect">
+            <a:avLst/>
+          </a:prstGeom>
+          <a:solidFill>
+            <a:schemeClr val="accent6">
+              <a:lumMod val="75000"/>
+            </a:schemeClr>
+          </a:solidFill>
+          <a:ln w="19050">
+            <a:solidFill>
+              <a:schemeClr val="accent6">
+                <a:lumMod val="75000"/>
+              </a:schemeClr>
+            </a:solidFill>
+          </a:ln>
+          <a:effectLst/>
+        </p:spPr>
+        <p:style>
+          <a:lnRef idx="1">
+            <a:schemeClr val="accent2"/>
+          </a:lnRef>
+          <a:fillRef idx="2">
+            <a:schemeClr val="accent2"/>
+          </a:fillRef>
+          <a:effectRef idx="1">
+            <a:schemeClr val="accent2"/>
+          </a:effectRef>
+          <a:fontRef idx="minor">
+            <a:schemeClr val="dk1"/>
+          </a:fontRef>
+        </p:style>
+        <p:txBody>
+          <a:bodyPr rtlCol="0" anchor="ctr"/>
+          <a:lstStyle/>
+          <a:p>
+            <a:pPr algn="ctr"/>
+            <a:r>
+              <a:rPr lang="en-US" sz="1050" dirty="0" smtClean="0">
+                <a:solidFill>
+                  <a:schemeClr val="bg1"/>
+                </a:solidFill>
+              </a:rPr>
+              <a:t>&lt;&lt;interface&gt;&gt;</a:t>
+            </a:r>
+            <a:br>
+              <a:rPr lang="en-US" sz="1050" dirty="0" smtClean="0">
+                <a:solidFill>
+                  <a:schemeClr val="bg1"/>
+                </a:solidFill>
+              </a:rPr>
+            </a:br>
+            <a:r>
+              <a:rPr lang="en-US" sz="1050" dirty="0" err="1" smtClean="0">
+                <a:solidFill>
+                  <a:schemeClr val="bg1"/>
+                </a:solidFill>
+              </a:rPr>
+              <a:t>RecycleBinStorage</a:t>
+            </a:r>
+            <a:endParaRPr lang="en-SG" sz="1050" dirty="0">
+              <a:solidFill>
+                <a:schemeClr val="bg1"/>
+              </a:solidFill>
+            </a:endParaRPr>
+          </a:p>
+        </p:txBody>
+      </p:sp>
+      <p:cxnSp>
+        <p:nvCxnSpPr>
+          <p:cNvPr id="30" name="Straight Arrow Connector 29"/>
+          <p:cNvCxnSpPr>
+            <a:stCxn id="31" idx="3"/>
+            <a:endCxn id="29" idx="1"/>
+          </p:cNvCxnSpPr>
+          <p:nvPr/>
+        </p:nvCxnSpPr>
+        <p:spPr>
+          <a:xfrm>
+            <a:off x="2656370" y="3859936"/>
+            <a:ext cx="220810" cy="5284"/>
+          </a:xfrm>
+          <a:prstGeom prst="straightConnector1">
+            <a:avLst/>
+          </a:prstGeom>
+          <a:ln w="19050">
+            <a:solidFill>
+              <a:schemeClr val="accent6">
+                <a:lumMod val="75000"/>
+              </a:schemeClr>
+            </a:solidFill>
+            <a:headEnd type="none" w="med" len="med"/>
+            <a:tailEnd type="arrow" w="med" len="med"/>
+          </a:ln>
+          <a:effectLst/>
+        </p:spPr>
+        <p:style>
+          <a:lnRef idx="1">
+            <a:schemeClr val="accent2"/>
+          </a:lnRef>
+          <a:fillRef idx="2">
+            <a:schemeClr val="accent2"/>
+          </a:fillRef>
+          <a:effectRef idx="1">
+            <a:schemeClr val="accent2"/>
+          </a:effectRef>
+          <a:fontRef idx="minor">
+            <a:schemeClr val="dk1"/>
+          </a:fontRef>
+        </p:style>
+      </p:cxnSp>
+      <p:sp>
+        <p:nvSpPr>
+          <p:cNvPr id="31" name="Flowchart: Decision 96"/>
+          <p:cNvSpPr/>
+          <p:nvPr/>
+        </p:nvSpPr>
+        <p:spPr>
+          <a:xfrm>
+            <a:off x="2420322" y="3773246"/>
+            <a:ext cx="236048" cy="173380"/>
+          </a:xfrm>
+          <a:prstGeom prst="flowChartDecision">
+            <a:avLst/>
+          </a:prstGeom>
+          <a:noFill/>
+          <a:ln w="19050">
+            <a:solidFill>
+              <a:schemeClr val="accent6">
+                <a:lumMod val="75000"/>
+              </a:schemeClr>
+            </a:solidFill>
+          </a:ln>
+          <a:effectLst/>
+        </p:spPr>
+        <p:style>
+          <a:lnRef idx="1">
+            <a:schemeClr val="accent2"/>
+          </a:lnRef>
+          <a:fillRef idx="2">
+            <a:schemeClr val="accent2"/>
+          </a:fillRef>
+          <a:effectRef idx="1">
+            <a:schemeClr val="accent2"/>
+          </a:effectRef>
+          <a:fontRef idx="minor">
+            <a:schemeClr val="dk1"/>
+          </a:fontRef>
+        </p:style>
+        <p:txBody>
+          <a:bodyPr rtlCol="0" anchor="ctr"/>
+          <a:lstStyle/>
+          <a:p>
+            <a:pPr algn="ctr"/>
+            <a:endParaRPr lang="en-US" sz="1050">
+              <a:solidFill>
+                <a:schemeClr val="bg1"/>
+              </a:solidFill>
+            </a:endParaRPr>
+          </a:p>
+        </p:txBody>
+      </p:sp>
+      <p:cxnSp>
+        <p:nvCxnSpPr>
+          <p:cNvPr id="32" name="Elbow Connector 63"/>
+          <p:cNvCxnSpPr>
+            <a:stCxn id="33" idx="3"/>
+            <a:endCxn id="34" idx="1"/>
+          </p:cNvCxnSpPr>
+          <p:nvPr/>
+        </p:nvCxnSpPr>
+        <p:spPr>
+          <a:xfrm flipV="1">
+            <a:off x="4398041" y="3865220"/>
+            <a:ext cx="223324" cy="1"/>
+          </a:xfrm>
+          <a:prstGeom prst="bentConnector3">
+            <a:avLst>
+              <a:gd name="adj1" fmla="val 50000"/>
+            </a:avLst>
+          </a:prstGeom>
+          <a:ln w="19050">
+            <a:solidFill>
+              <a:schemeClr val="accent6">
+                <a:lumMod val="75000"/>
+              </a:schemeClr>
+            </a:solidFill>
+            <a:prstDash val="sysDot"/>
+            <a:headEnd type="none" w="med" len="med"/>
+            <a:tailEnd type="none" w="med" len="med"/>
+          </a:ln>
+          <a:effectLst/>
+        </p:spPr>
+        <p:style>
+          <a:lnRef idx="1">
+            <a:schemeClr val="accent2"/>
+          </a:lnRef>
+          <a:fillRef idx="2">
+            <a:schemeClr val="accent2"/>
+          </a:fillRef>
+          <a:effectRef idx="1">
+            <a:schemeClr val="accent2"/>
+          </a:effectRef>
+          <a:fontRef idx="minor">
+            <a:schemeClr val="dk1"/>
+          </a:fontRef>
+        </p:style>
+      </p:cxnSp>
+      <p:sp>
+        <p:nvSpPr>
+          <p:cNvPr id="33" name="Isosceles Triangle 102"/>
+          <p:cNvSpPr/>
+          <p:nvPr/>
+        </p:nvSpPr>
+        <p:spPr>
+          <a:xfrm rot="5400000" flipV="1">
+            <a:off x="4175027" y="3777459"/>
+            <a:ext cx="270504" cy="175523"/>
+          </a:xfrm>
+          <a:prstGeom prst="triangle">
+            <a:avLst/>
+          </a:prstGeom>
+          <a:solidFill>
+            <a:schemeClr val="accent6">
+              <a:lumMod val="75000"/>
+            </a:schemeClr>
+          </a:solidFill>
+          <a:ln w="19050">
+            <a:solidFill>
+              <a:schemeClr val="accent6">
+                <a:lumMod val="75000"/>
+              </a:schemeClr>
+            </a:solidFill>
+          </a:ln>
+          <a:effectLst/>
+        </p:spPr>
+        <p:style>
+          <a:lnRef idx="1">
+            <a:schemeClr val="accent2"/>
+          </a:lnRef>
+          <a:fillRef idx="2">
+            <a:schemeClr val="accent2"/>
+          </a:fillRef>
+          <a:effectRef idx="1">
+            <a:schemeClr val="accent2"/>
+          </a:effectRef>
+          <a:fontRef idx="minor">
+            <a:schemeClr val="dk1"/>
+          </a:fontRef>
+        </p:style>
+        <p:txBody>
+          <a:bodyPr rtlCol="0" anchor="ctr"/>
+          <a:lstStyle/>
+          <a:p>
+            <a:pPr algn="ctr"/>
+            <a:endParaRPr lang="en-SG" sz="1050">
+              <a:solidFill>
+                <a:schemeClr val="bg1"/>
+              </a:solidFill>
+            </a:endParaRPr>
+          </a:p>
+        </p:txBody>
+      </p:sp>
+      <p:sp>
+        <p:nvSpPr>
+          <p:cNvPr id="34" name="Rectangle 8"/>
+          <p:cNvSpPr/>
+          <p:nvPr/>
+        </p:nvSpPr>
+        <p:spPr>
+          <a:xfrm>
+            <a:off x="4621365" y="3691840"/>
+            <a:ext cx="1169835" cy="346760"/>
+          </a:xfrm>
+          <a:prstGeom prst="rect">
+            <a:avLst/>
+          </a:prstGeom>
+          <a:ln w="19050"/>
+          <a:effectLst/>
+        </p:spPr>
+        <p:style>
+          <a:lnRef idx="1">
+            <a:schemeClr val="accent6"/>
+          </a:lnRef>
+          <a:fillRef idx="2">
+            <a:schemeClr val="accent6"/>
+          </a:fillRef>
+          <a:effectRef idx="1">
+            <a:schemeClr val="accent6"/>
+          </a:effectRef>
+          <a:fontRef idx="minor">
+            <a:schemeClr val="dk1"/>
+          </a:fontRef>
+        </p:style>
+        <p:txBody>
+          <a:bodyPr rtlCol="0" anchor="ctr"/>
+          <a:lstStyle/>
+          <a:p>
+            <a:pPr algn="ctr"/>
+            <a:r>
+              <a:rPr lang="en-US" sz="1050" b="1" dirty="0" err="1" smtClean="0">
+                <a:solidFill>
+                  <a:schemeClr val="accent6">
+                    <a:lumMod val="75000"/>
+                  </a:schemeClr>
+                </a:solidFill>
+              </a:rPr>
+              <a:t>XmlRecycleBin</a:t>
+            </a:r>
+            <a:r>
+              <a:rPr lang="en-US" sz="1050" b="1" dirty="0" smtClean="0">
+                <a:solidFill>
+                  <a:schemeClr val="accent6">
+                    <a:lumMod val="75000"/>
+                  </a:schemeClr>
+                </a:solidFill>
+              </a:rPr>
+              <a:t/>
+            </a:r>
+            <a:br>
+              <a:rPr lang="en-US" sz="1050" b="1" dirty="0" smtClean="0">
+                <a:solidFill>
+                  <a:schemeClr val="accent6">
+                    <a:lumMod val="75000"/>
+                  </a:schemeClr>
+                </a:solidFill>
+              </a:rPr>
+            </a:br>
+            <a:r>
+              <a:rPr lang="en-US" sz="1050" b="1" dirty="0" smtClean="0">
+                <a:solidFill>
+                  <a:schemeClr val="accent6">
+                    <a:lumMod val="75000"/>
+                  </a:schemeClr>
+                </a:solidFill>
+              </a:rPr>
+              <a:t>Storage</a:t>
+            </a:r>
+            <a:endParaRPr lang="en-SG" sz="1050" b="1" dirty="0">
+              <a:solidFill>
+                <a:schemeClr val="accent6">
+                  <a:lumMod val="75000"/>
+                </a:schemeClr>
+              </a:solidFill>
+            </a:endParaRPr>
+          </a:p>
+        </p:txBody>
+      </p:sp>
+      <p:cxnSp>
+        <p:nvCxnSpPr>
+          <p:cNvPr id="40" name="Elbow Connector 122"/>
+          <p:cNvCxnSpPr>
+            <a:endCxn id="66" idx="2"/>
+          </p:cNvCxnSpPr>
+          <p:nvPr/>
+        </p:nvCxnSpPr>
+        <p:spPr>
+          <a:xfrm flipV="1">
+            <a:off x="5791200" y="3507170"/>
+            <a:ext cx="828954" cy="356080"/>
+          </a:xfrm>
+          <a:prstGeom prst="bentConnector2">
+            <a:avLst/>
+          </a:prstGeom>
+          <a:ln w="19050">
+            <a:solidFill>
+              <a:schemeClr val="accent6">
+                <a:lumMod val="75000"/>
+              </a:schemeClr>
+            </a:solidFill>
+            <a:prstDash val="sysDot"/>
+            <a:headEnd type="none" w="med" len="med"/>
+            <a:tailEnd type="arrow" w="med" len="med"/>
+          </a:ln>
+          <a:effectLst/>
+        </p:spPr>
+        <p:style>
+          <a:lnRef idx="1">
+            <a:schemeClr val="accent2"/>
+          </a:lnRef>
+          <a:fillRef idx="2">
+            <a:schemeClr val="accent2"/>
+          </a:fillRef>
+          <a:effectRef idx="1">
+            <a:schemeClr val="accent2"/>
           </a:effectRef>
           <a:fontRef idx="minor">
             <a:schemeClr val="dk1"/>
